--- a/images/K-ISMS-architecture-diagram.pptx
+++ b/images/K-ISMS-architecture-diagram.pptx
@@ -3168,7 +3168,7 @@
         </p:blipFill>
         <p:spPr>
           <a:xfrm>
-            <a:off x="676457" y="765006"/>
+            <a:off x="676457" y="774547"/>
             <a:ext cx="330200" cy="330200"/>
           </a:xfrm>
           <a:prstGeom prst="rect">
@@ -3292,8 +3292,8 @@
         </p:nvSpPr>
         <p:spPr>
           <a:xfrm>
-            <a:off x="988466" y="1558258"/>
-            <a:ext cx="2194560" cy="1801095"/>
+            <a:off x="988466" y="1455870"/>
+            <a:ext cx="2194560" cy="1903484"/>
           </a:xfrm>
           <a:prstGeom prst="rect">
             <a:avLst/>
@@ -3375,7 +3375,7 @@
         </p:blipFill>
         <p:spPr>
           <a:xfrm>
-            <a:off x="1006657" y="1547378"/>
+            <a:off x="985456" y="1455869"/>
             <a:ext cx="274320" cy="274320"/>
           </a:xfrm>
           <a:prstGeom prst="rect">
@@ -3631,8 +3631,8 @@
         </p:nvSpPr>
         <p:spPr>
           <a:xfrm>
-            <a:off x="6808682" y="1530553"/>
-            <a:ext cx="2194560" cy="1828800"/>
+            <a:off x="6808682" y="1455869"/>
+            <a:ext cx="2194560" cy="1903484"/>
           </a:xfrm>
           <a:prstGeom prst="rect">
             <a:avLst/>
@@ -3713,7 +3713,7 @@
         </p:blipFill>
         <p:spPr>
           <a:xfrm>
-            <a:off x="6837497" y="1533088"/>
+            <a:off x="6805672" y="1455869"/>
             <a:ext cx="274320" cy="274320"/>
           </a:xfrm>
           <a:prstGeom prst="rect">
@@ -3735,8 +3735,8 @@
         </p:nvSpPr>
         <p:spPr>
           <a:xfrm>
-            <a:off x="9992788" y="1536426"/>
-            <a:ext cx="2194560" cy="1828800"/>
+            <a:off x="9992788" y="1455869"/>
+            <a:ext cx="2194560" cy="1909357"/>
           </a:xfrm>
           <a:prstGeom prst="rect">
             <a:avLst/>
@@ -3817,7 +3817,7 @@
         </p:blipFill>
         <p:spPr>
           <a:xfrm>
-            <a:off x="9981750" y="1547378"/>
+            <a:off x="9986945" y="1455869"/>
             <a:ext cx="274320" cy="274320"/>
           </a:xfrm>
           <a:prstGeom prst="rect">
@@ -3839,7 +3839,7 @@
         </p:nvSpPr>
         <p:spPr>
           <a:xfrm>
-            <a:off x="6811507" y="3451576"/>
+            <a:off x="6783980" y="3451221"/>
             <a:ext cx="2194560" cy="1788448"/>
           </a:xfrm>
           <a:prstGeom prst="rect">
@@ -3921,7 +3921,7 @@
         </p:blipFill>
         <p:spPr>
           <a:xfrm>
-            <a:off x="6809850" y="3462662"/>
+            <a:off x="6781817" y="3459296"/>
             <a:ext cx="274320" cy="274320"/>
           </a:xfrm>
           <a:prstGeom prst="rect">
@@ -3944,7 +3944,7 @@
         <p:spPr>
           <a:xfrm>
             <a:off x="9983110" y="3449139"/>
-            <a:ext cx="2194560" cy="1767074"/>
+            <a:ext cx="2194560" cy="1790530"/>
           </a:xfrm>
           <a:prstGeom prst="rect">
             <a:avLst/>
@@ -4033,7 +4033,7 @@
         </p:blipFill>
         <p:spPr>
           <a:xfrm>
-            <a:off x="9981750" y="3452077"/>
+            <a:off x="9981750" y="3440381"/>
             <a:ext cx="274320" cy="274320"/>
           </a:xfrm>
           <a:prstGeom prst="rect">
@@ -4055,7 +4055,7 @@
         </p:nvSpPr>
         <p:spPr>
           <a:xfrm>
-            <a:off x="6815699" y="5322062"/>
+            <a:off x="6791884" y="5322062"/>
             <a:ext cx="2184020" cy="1481509"/>
           </a:xfrm>
           <a:prstGeom prst="rect">
@@ -4137,7 +4137,7 @@
         </p:blipFill>
         <p:spPr>
           <a:xfrm>
-            <a:off x="6808682" y="5327404"/>
+            <a:off x="6784867" y="5308093"/>
             <a:ext cx="274320" cy="274320"/>
           </a:xfrm>
           <a:prstGeom prst="rect">
@@ -4159,8 +4159,8 @@
         </p:nvSpPr>
         <p:spPr>
           <a:xfrm>
-            <a:off x="9995797" y="5334728"/>
-            <a:ext cx="2181873" cy="1484986"/>
+            <a:off x="9995797" y="5308093"/>
+            <a:ext cx="2181873" cy="1511621"/>
           </a:xfrm>
           <a:prstGeom prst="rect">
             <a:avLst/>
@@ -4241,7 +4241,7 @@
         </p:blipFill>
         <p:spPr>
           <a:xfrm>
-            <a:off x="9992788" y="5338360"/>
+            <a:off x="9992788" y="5306034"/>
             <a:ext cx="274320" cy="274320"/>
           </a:xfrm>
           <a:prstGeom prst="rect">
@@ -4801,8 +4801,8 @@
         </p:nvSpPr>
         <p:spPr>
           <a:xfrm>
-            <a:off x="3958105" y="1561643"/>
-            <a:ext cx="2194560" cy="1797710"/>
+            <a:off x="3958105" y="1455869"/>
+            <a:ext cx="2194560" cy="1903484"/>
           </a:xfrm>
           <a:prstGeom prst="rect">
             <a:avLst/>
@@ -4891,7 +4891,7 @@
         </p:blipFill>
         <p:spPr>
           <a:xfrm>
-            <a:off x="3964397" y="1561643"/>
+            <a:off x="3962800" y="1455869"/>
             <a:ext cx="274320" cy="274320"/>
           </a:xfrm>
           <a:prstGeom prst="rect">
@@ -5003,7 +5003,7 @@
         </p:blipFill>
         <p:spPr>
           <a:xfrm>
-            <a:off x="3919906" y="3477185"/>
+            <a:off x="3955900" y="3467133"/>
             <a:ext cx="274320" cy="274320"/>
           </a:xfrm>
           <a:prstGeom prst="rect">
@@ -5845,7 +5845,7 @@
         </p:nvSpPr>
         <p:spPr>
           <a:xfrm>
-            <a:off x="7125429" y="6268623"/>
+            <a:off x="7101614" y="6268623"/>
             <a:ext cx="1497584" cy="461665"/>
           </a:xfrm>
           <a:prstGeom prst="rect">
@@ -5909,7 +5909,7 @@
         </p:blipFill>
         <p:spPr>
           <a:xfrm>
-            <a:off x="7671012" y="5790414"/>
+            <a:off x="7647197" y="5790414"/>
             <a:ext cx="469900" cy="469900"/>
           </a:xfrm>
           <a:prstGeom prst="rect">
@@ -7076,13 +7076,16 @@
               </a:ext>
             </a:extLst>
           </p:cNvPr>
-          <p:cNvCxnSpPr/>
+          <p:cNvCxnSpPr>
+            <a:stCxn id="32" idx="3"/>
+            <a:endCxn id="34" idx="1"/>
+          </p:cNvCxnSpPr>
           <p:nvPr/>
         </p:nvCxnSpPr>
         <p:spPr>
           <a:xfrm>
-            <a:off x="8950111" y="6071699"/>
-            <a:ext cx="1097280" cy="0"/>
+            <a:off x="8975904" y="6062817"/>
+            <a:ext cx="1019893" cy="1087"/>
           </a:xfrm>
           <a:prstGeom prst="straightConnector1">
             <a:avLst/>
